--- a/gsg_images.pptx
+++ b/gsg_images.pptx
@@ -7,6 +7,7 @@
   <p:sldIdLst>
     <p:sldId id="256" r:id="rId2"/>
     <p:sldId id="257" r:id="rId3"/>
+    <p:sldId id="258" r:id="rId4"/>
   </p:sldIdLst>
   <p:sldSz cx="9144000" cy="6858000" type="screen4x3"/>
   <p:notesSz cx="6858000" cy="9144000"/>
@@ -289,7 +290,7 @@
           <a:p>
             <a:fld id="{13B3AC4C-49C0-5A4F-B13F-4175213163F3}" type="datetimeFigureOut">
               <a:rPr lang="en-US" smtClean="0"/>
-              <a:t>10/9/11</a:t>
+              <a:t>10/10/11</a:t>
             </a:fld>
             <a:endParaRPr lang="en-US"/>
           </a:p>
@@ -459,7 +460,7 @@
           <a:p>
             <a:fld id="{13B3AC4C-49C0-5A4F-B13F-4175213163F3}" type="datetimeFigureOut">
               <a:rPr lang="en-US" smtClean="0"/>
-              <a:t>10/9/11</a:t>
+              <a:t>10/10/11</a:t>
             </a:fld>
             <a:endParaRPr lang="en-US"/>
           </a:p>
@@ -639,7 +640,7 @@
           <a:p>
             <a:fld id="{13B3AC4C-49C0-5A4F-B13F-4175213163F3}" type="datetimeFigureOut">
               <a:rPr lang="en-US" smtClean="0"/>
-              <a:t>10/9/11</a:t>
+              <a:t>10/10/11</a:t>
             </a:fld>
             <a:endParaRPr lang="en-US"/>
           </a:p>
@@ -809,7 +810,7 @@
           <a:p>
             <a:fld id="{13B3AC4C-49C0-5A4F-B13F-4175213163F3}" type="datetimeFigureOut">
               <a:rPr lang="en-US" smtClean="0"/>
-              <a:t>10/9/11</a:t>
+              <a:t>10/10/11</a:t>
             </a:fld>
             <a:endParaRPr lang="en-US"/>
           </a:p>
@@ -1055,7 +1056,7 @@
           <a:p>
             <a:fld id="{13B3AC4C-49C0-5A4F-B13F-4175213163F3}" type="datetimeFigureOut">
               <a:rPr lang="en-US" smtClean="0"/>
-              <a:t>10/9/11</a:t>
+              <a:t>10/10/11</a:t>
             </a:fld>
             <a:endParaRPr lang="en-US"/>
           </a:p>
@@ -1343,7 +1344,7 @@
           <a:p>
             <a:fld id="{13B3AC4C-49C0-5A4F-B13F-4175213163F3}" type="datetimeFigureOut">
               <a:rPr lang="en-US" smtClean="0"/>
-              <a:t>10/9/11</a:t>
+              <a:t>10/10/11</a:t>
             </a:fld>
             <a:endParaRPr lang="en-US"/>
           </a:p>
@@ -1765,7 +1766,7 @@
           <a:p>
             <a:fld id="{13B3AC4C-49C0-5A4F-B13F-4175213163F3}" type="datetimeFigureOut">
               <a:rPr lang="en-US" smtClean="0"/>
-              <a:t>10/9/11</a:t>
+              <a:t>10/10/11</a:t>
             </a:fld>
             <a:endParaRPr lang="en-US"/>
           </a:p>
@@ -1883,7 +1884,7 @@
           <a:p>
             <a:fld id="{13B3AC4C-49C0-5A4F-B13F-4175213163F3}" type="datetimeFigureOut">
               <a:rPr lang="en-US" smtClean="0"/>
-              <a:t>10/9/11</a:t>
+              <a:t>10/10/11</a:t>
             </a:fld>
             <a:endParaRPr lang="en-US"/>
           </a:p>
@@ -1978,7 +1979,7 @@
           <a:p>
             <a:fld id="{13B3AC4C-49C0-5A4F-B13F-4175213163F3}" type="datetimeFigureOut">
               <a:rPr lang="en-US" smtClean="0"/>
-              <a:t>10/9/11</a:t>
+              <a:t>10/10/11</a:t>
             </a:fld>
             <a:endParaRPr lang="en-US"/>
           </a:p>
@@ -2255,7 +2256,7 @@
           <a:p>
             <a:fld id="{13B3AC4C-49C0-5A4F-B13F-4175213163F3}" type="datetimeFigureOut">
               <a:rPr lang="en-US" smtClean="0"/>
-              <a:t>10/9/11</a:t>
+              <a:t>10/10/11</a:t>
             </a:fld>
             <a:endParaRPr lang="en-US"/>
           </a:p>
@@ -2508,7 +2509,7 @@
           <a:p>
             <a:fld id="{13B3AC4C-49C0-5A4F-B13F-4175213163F3}" type="datetimeFigureOut">
               <a:rPr lang="en-US" smtClean="0"/>
-              <a:t>10/9/11</a:t>
+              <a:t>10/10/11</a:t>
             </a:fld>
             <a:endParaRPr lang="en-US"/>
           </a:p>
@@ -2721,7 +2722,7 @@
           <a:p>
             <a:fld id="{13B3AC4C-49C0-5A4F-B13F-4175213163F3}" type="datetimeFigureOut">
               <a:rPr lang="en-US" smtClean="0"/>
-              <a:t>10/9/11</a:t>
+              <a:t>10/10/11</a:t>
             </a:fld>
             <a:endParaRPr lang="en-US"/>
           </a:p>
@@ -3300,6 +3301,152 @@
     <p:extLst>
       <p:ext uri="{BB962C8B-B14F-4D97-AF65-F5344CB8AC3E}">
         <p14:creationId xmlns:p14="http://schemas.microsoft.com/office/powerpoint/2010/main" val="2163583312"/>
+      </p:ext>
+    </p:extLst>
+  </p:cSld>
+  <p:clrMapOvr>
+    <a:masterClrMapping/>
+  </p:clrMapOvr>
+  <p:timing>
+    <p:tnLst>
+      <p:par>
+        <p:cTn xmlns:p14="http://schemas.microsoft.com/office/powerpoint/2010/main" id="1" dur="indefinite" restart="never" nodeType="tmRoot"/>
+      </p:par>
+    </p:tnLst>
+  </p:timing>
+</p:sld>
+</file>
+
+<file path=ppt/slides/slide3.xml><?xml version="1.0" encoding="utf-8"?>
+<p:sld xmlns:a="http://schemas.openxmlformats.org/drawingml/2006/main" xmlns:r="http://schemas.openxmlformats.org/officeDocument/2006/relationships" xmlns:p="http://schemas.openxmlformats.org/presentationml/2006/main">
+  <p:cSld>
+    <p:spTree>
+      <p:nvGrpSpPr>
+        <p:cNvPr id="1" name=""/>
+        <p:cNvGrpSpPr/>
+        <p:nvPr/>
+      </p:nvGrpSpPr>
+      <p:grpSpPr>
+        <a:xfrm>
+          <a:off x="0" y="0"/>
+          <a:ext cx="0" cy="0"/>
+          <a:chOff x="0" y="0"/>
+          <a:chExt cx="0" cy="0"/>
+        </a:xfrm>
+      </p:grpSpPr>
+      <p:pic>
+        <p:nvPicPr>
+          <p:cNvPr id="4" name="Picture 3" descr="Screen shot 2011-10-10 at 10.10.22 AM.png"/>
+          <p:cNvPicPr>
+            <a:picLocks noChangeAspect="1"/>
+          </p:cNvPicPr>
+          <p:nvPr/>
+        </p:nvPicPr>
+        <p:blipFill>
+          <a:blip r:embed="rId2">
+            <a:extLst>
+              <a:ext uri="{28A0092B-C50C-407E-A947-70E740481C1C}">
+                <a14:useLocalDpi xmlns:a14="http://schemas.microsoft.com/office/drawing/2010/main" val="0"/>
+              </a:ext>
+            </a:extLst>
+          </a:blip>
+          <a:stretch>
+            <a:fillRect/>
+          </a:stretch>
+        </p:blipFill>
+        <p:spPr>
+          <a:xfrm>
+            <a:off x="694872" y="1026160"/>
+            <a:ext cx="7382327" cy="4119197"/>
+          </a:xfrm>
+          <a:prstGeom prst="rect">
+            <a:avLst/>
+          </a:prstGeom>
+          <a:ln>
+            <a:noFill/>
+          </a:ln>
+          <a:effectLst>
+            <a:outerShdw blurRad="292100" dist="139700" dir="2700000" algn="tl" rotWithShape="0">
+              <a:srgbClr val="333333">
+                <a:alpha val="65000"/>
+              </a:srgbClr>
+            </a:outerShdw>
+          </a:effectLst>
+        </p:spPr>
+      </p:pic>
+      <p:sp>
+        <p:nvSpPr>
+          <p:cNvPr id="5" name="Rounded Rectangular Callout 4"/>
+          <p:cNvSpPr/>
+          <p:nvPr/>
+        </p:nvSpPr>
+        <p:spPr>
+          <a:xfrm>
+            <a:off x="3677920" y="2489200"/>
+            <a:ext cx="2641600" cy="1117600"/>
+          </a:xfrm>
+          <a:prstGeom prst="wedgeRoundRectCallout">
+            <a:avLst>
+              <a:gd name="adj1" fmla="val 61881"/>
+              <a:gd name="adj2" fmla="val -85655"/>
+              <a:gd name="adj3" fmla="val 16667"/>
+            </a:avLst>
+          </a:prstGeom>
+          <a:solidFill>
+            <a:srgbClr val="FFFFFF"/>
+          </a:solidFill>
+          <a:ln>
+            <a:solidFill>
+              <a:srgbClr val="000000"/>
+            </a:solidFill>
+          </a:ln>
+          <a:effectLst>
+            <a:outerShdw blurRad="50800" dist="38100" dir="5400000" algn="t" rotWithShape="0">
+              <a:prstClr val="black">
+                <a:alpha val="40000"/>
+              </a:prstClr>
+            </a:outerShdw>
+          </a:effectLst>
+        </p:spPr>
+        <p:style>
+          <a:lnRef idx="1">
+            <a:schemeClr val="accent1"/>
+          </a:lnRef>
+          <a:fillRef idx="3">
+            <a:schemeClr val="accent1"/>
+          </a:fillRef>
+          <a:effectRef idx="2">
+            <a:schemeClr val="accent1"/>
+          </a:effectRef>
+          <a:fontRef idx="minor">
+            <a:schemeClr val="lt1"/>
+          </a:fontRef>
+        </p:style>
+        <p:txBody>
+          <a:bodyPr rtlCol="0" anchor="ctr"/>
+          <a:lstStyle/>
+          <a:p>
+            <a:pPr algn="ctr"/>
+            <a:r>
+              <a:rPr lang="en-US" dirty="0" smtClean="0">
+                <a:solidFill>
+                  <a:srgbClr val="000000"/>
+                </a:solidFill>
+              </a:rPr>
+              <a:t>The “Build Project” button appears on pages that end with “_INDEX”</a:t>
+            </a:r>
+            <a:endParaRPr lang="en-US" dirty="0">
+              <a:solidFill>
+                <a:srgbClr val="000000"/>
+              </a:solidFill>
+            </a:endParaRPr>
+          </a:p>
+        </p:txBody>
+      </p:sp>
+    </p:spTree>
+    <p:extLst>
+      <p:ext uri="{BB962C8B-B14F-4D97-AF65-F5344CB8AC3E}">
+        <p14:creationId xmlns:p14="http://schemas.microsoft.com/office/powerpoint/2010/main" val="1205362690"/>
       </p:ext>
     </p:extLst>
   </p:cSld>
